--- a/Summary_Schutt-2014S.pptx
+++ b/Summary_Schutt-2014S.pptx
@@ -4454,7 +4454,40 @@
               <a:rPr lang="en-US" sz="4000" smtClean="0">
                 <a:latin typeface="Calibri" pitchFamily="34" charset="0"/>
               </a:rPr>
-              <a:t>Project Introduction</a:t>
+              <a:t>We elected </a:t>
+            </a:r>
+            <a:r>
+              <a:rPr lang="en-US" sz="4000" dirty="0">
+                <a:latin typeface="Calibri" pitchFamily="34" charset="0"/>
+              </a:rPr>
+              <a:t>to create a native Android application that leverages the Google Maps API v2 for Android as the basis for displaying and communicating the results of our custom algorithm for determining multi-modal transit routes between destinations and specific points of interest. The algorithm itself was developed in python to be run on a server. We decided to offload this computation from the client-side because of the complexity and resource-intensive calculation that must occur to determine the least costly route from an origin to a destination via some points of interest</a:t>
+            </a:r>
+            <a:r>
+              <a:rPr lang="en-US" sz="4000" dirty="0" smtClean="0">
+                <a:latin typeface="Calibri" pitchFamily="34" charset="0"/>
+              </a:rPr>
+              <a:t>.</a:t>
+            </a:r>
+          </a:p>
+          <a:p>
+            <a:pPr algn="just" eaLnBrk="1" hangingPunct="1"/>
+            <a:endParaRPr lang="en-US" sz="4000" dirty="0">
+              <a:latin typeface="Calibri" pitchFamily="34" charset="0"/>
+            </a:endParaRPr>
+          </a:p>
+          <a:p>
+            <a:pPr algn="just" eaLnBrk="1" hangingPunct="1"/>
+            <a:r>
+              <a:rPr lang="en-US" sz="4000" dirty="0">
+                <a:latin typeface="Calibri" pitchFamily="34" charset="0"/>
+              </a:rPr>
+              <a:t>The client side application is a simple single-page app that provides the user with auto-completion on the addresses or points of interest that they are searching. The points of interest can be as simple as a single category for a business type (e.g., a gym) or as specific as a restaurant (e.g., The Greene Turtle</a:t>
+            </a:r>
+            <a:r>
+              <a:rPr lang="en-US" sz="4000" dirty="0" smtClean="0">
+                <a:latin typeface="Calibri" pitchFamily="34" charset="0"/>
+              </a:rPr>
+              <a:t>).</a:t>
             </a:r>
             <a:endParaRPr lang="en-US" sz="4000" dirty="0">
               <a:latin typeface="Calibri" pitchFamily="34" charset="0"/>

--- a/Summary_Schutt-2014S.pptx
+++ b/Summary_Schutt-2014S.pptx
@@ -4289,12 +4289,14 @@
                 <a:solidFill>
                   <a:srgbClr val="800000"/>
                 </a:solidFill>
-                <a:latin typeface="Times New Roman" pitchFamily="18" charset="0"/>
+                <a:latin typeface="Arial" panose="020B0604020202020204" pitchFamily="34" charset="0"/>
+                <a:cs typeface="Arial" panose="020B0604020202020204" pitchFamily="34" charset="0"/>
               </a:rPr>
               <a:t>Project Introduction</a:t>
             </a:r>
             <a:endParaRPr lang="en-US" altLang="zh-CN" sz="7500" dirty="0">
-              <a:latin typeface="Calibri" pitchFamily="34" charset="0"/>
+              <a:latin typeface="Arial" panose="020B0604020202020204" pitchFamily="34" charset="0"/>
+              <a:cs typeface="Arial" panose="020B0604020202020204" pitchFamily="34" charset="0"/>
             </a:endParaRPr>
           </a:p>
         </p:txBody>
@@ -4451,20 +4453,23 @@
           <a:p>
             <a:pPr algn="just" eaLnBrk="1" hangingPunct="1"/>
             <a:r>
-              <a:rPr lang="en-US" sz="4000" smtClean="0">
-                <a:latin typeface="Calibri" pitchFamily="34" charset="0"/>
+              <a:rPr lang="en-US" sz="4000" dirty="0" smtClean="0">
+                <a:latin typeface="Arial" panose="020B0604020202020204" pitchFamily="34" charset="0"/>
+                <a:cs typeface="Arial" panose="020B0604020202020204" pitchFamily="34" charset="0"/>
               </a:rPr>
               <a:t>We elected </a:t>
             </a:r>
             <a:r>
               <a:rPr lang="en-US" sz="4000" dirty="0">
-                <a:latin typeface="Calibri" pitchFamily="34" charset="0"/>
+                <a:latin typeface="Arial" panose="020B0604020202020204" pitchFamily="34" charset="0"/>
+                <a:cs typeface="Arial" panose="020B0604020202020204" pitchFamily="34" charset="0"/>
               </a:rPr>
               <a:t>to create a native Android application that leverages the Google Maps API v2 for Android as the basis for displaying and communicating the results of our custom algorithm for determining multi-modal transit routes between destinations and specific points of interest. The algorithm itself was developed in python to be run on a server. We decided to offload this computation from the client-side because of the complexity and resource-intensive calculation that must occur to determine the least costly route from an origin to a destination via some points of interest</a:t>
             </a:r>
             <a:r>
               <a:rPr lang="en-US" sz="4000" dirty="0" smtClean="0">
-                <a:latin typeface="Calibri" pitchFamily="34" charset="0"/>
+                <a:latin typeface="Arial" panose="020B0604020202020204" pitchFamily="34" charset="0"/>
+                <a:cs typeface="Arial" panose="020B0604020202020204" pitchFamily="34" charset="0"/>
               </a:rPr>
               <a:t>.</a:t>
             </a:r>
@@ -4472,25 +4477,29 @@
           <a:p>
             <a:pPr algn="just" eaLnBrk="1" hangingPunct="1"/>
             <a:endParaRPr lang="en-US" sz="4000" dirty="0">
-              <a:latin typeface="Calibri" pitchFamily="34" charset="0"/>
+              <a:latin typeface="Arial" panose="020B0604020202020204" pitchFamily="34" charset="0"/>
+              <a:cs typeface="Arial" panose="020B0604020202020204" pitchFamily="34" charset="0"/>
             </a:endParaRPr>
           </a:p>
           <a:p>
             <a:pPr algn="just" eaLnBrk="1" hangingPunct="1"/>
             <a:r>
               <a:rPr lang="en-US" sz="4000" dirty="0">
-                <a:latin typeface="Calibri" pitchFamily="34" charset="0"/>
+                <a:latin typeface="Arial" panose="020B0604020202020204" pitchFamily="34" charset="0"/>
+                <a:cs typeface="Arial" panose="020B0604020202020204" pitchFamily="34" charset="0"/>
               </a:rPr>
               <a:t>The client side application is a simple single-page app that provides the user with auto-completion on the addresses or points of interest that they are searching. The points of interest can be as simple as a single category for a business type (e.g., a gym) or as specific as a restaurant (e.g., The Greene Turtle</a:t>
             </a:r>
             <a:r>
               <a:rPr lang="en-US" sz="4000" dirty="0" smtClean="0">
-                <a:latin typeface="Calibri" pitchFamily="34" charset="0"/>
+                <a:latin typeface="Arial" panose="020B0604020202020204" pitchFamily="34" charset="0"/>
+                <a:cs typeface="Arial" panose="020B0604020202020204" pitchFamily="34" charset="0"/>
               </a:rPr>
               <a:t>).</a:t>
             </a:r>
             <a:endParaRPr lang="en-US" sz="4000" dirty="0">
-              <a:latin typeface="Calibri" pitchFamily="34" charset="0"/>
+              <a:latin typeface="Arial" panose="020B0604020202020204" pitchFamily="34" charset="0"/>
+              <a:cs typeface="Arial" panose="020B0604020202020204" pitchFamily="34" charset="0"/>
             </a:endParaRPr>
           </a:p>
         </p:txBody>
@@ -4693,7 +4702,8 @@
                 <a:solidFill>
                   <a:srgbClr val="FFFFFF"/>
                 </a:solidFill>
-                <a:latin typeface="Times New Roman" pitchFamily="18" charset="0"/>
+                <a:latin typeface="Arial" panose="020B0604020202020204" pitchFamily="34" charset="0"/>
+                <a:cs typeface="Arial" panose="020B0604020202020204" pitchFamily="34" charset="0"/>
               </a:rPr>
               <a:t>SmartRoute</a:t>
             </a:r>
@@ -4702,7 +4712,8 @@
                 <a:solidFill>
                   <a:srgbClr val="FFFFFF"/>
                 </a:solidFill>
-                <a:latin typeface="Times New Roman" pitchFamily="18" charset="0"/>
+                <a:latin typeface="Arial" panose="020B0604020202020204" pitchFamily="34" charset="0"/>
+                <a:cs typeface="Arial" panose="020B0604020202020204" pitchFamily="34" charset="0"/>
               </a:rPr>
               <a:t>: Extending Waypoint Navigation</a:t>
             </a:r>
@@ -4710,7 +4721,8 @@
               <a:solidFill>
                 <a:srgbClr val="FFFFFF"/>
               </a:solidFill>
-              <a:latin typeface="Times New Roman" pitchFamily="18" charset="0"/>
+              <a:latin typeface="Arial" panose="020B0604020202020204" pitchFamily="34" charset="0"/>
+              <a:cs typeface="Arial" panose="020B0604020202020204" pitchFamily="34" charset="0"/>
             </a:endParaRPr>
           </a:p>
           <a:p>
@@ -4719,13 +4731,15 @@
               <a:solidFill>
                 <a:srgbClr val="FFFFFF"/>
               </a:solidFill>
-              <a:latin typeface="Times New Roman" pitchFamily="18" charset="0"/>
+              <a:latin typeface="Arial" panose="020B0604020202020204" pitchFamily="34" charset="0"/>
+              <a:cs typeface="Arial" panose="020B0604020202020204" pitchFamily="34" charset="0"/>
             </a:endParaRPr>
           </a:p>
           <a:p>
             <a:pPr eaLnBrk="1" hangingPunct="1"/>
             <a:endParaRPr lang="zh-CN" altLang="en-US" sz="9000" dirty="0">
-              <a:latin typeface="Calibri" pitchFamily="34" charset="0"/>
+              <a:latin typeface="Arial" panose="020B0604020202020204" pitchFamily="34" charset="0"/>
+              <a:cs typeface="Arial" panose="020B0604020202020204" pitchFamily="34" charset="0"/>
             </a:endParaRPr>
           </a:p>
         </p:txBody>
@@ -4876,12 +4890,14 @@
                 <a:solidFill>
                   <a:srgbClr val="800000"/>
                 </a:solidFill>
-                <a:latin typeface="Times New Roman" pitchFamily="18" charset="0"/>
+                <a:latin typeface="Arial" panose="020B0604020202020204" pitchFamily="34" charset="0"/>
+                <a:cs typeface="Arial" panose="020B0604020202020204" pitchFamily="34" charset="0"/>
               </a:rPr>
               <a:t>Client-side Application</a:t>
             </a:r>
             <a:endParaRPr lang="en-US" altLang="zh-CN" sz="7500" dirty="0">
-              <a:latin typeface="Calibri" pitchFamily="34" charset="0"/>
+              <a:latin typeface="Arial" panose="020B0604020202020204" pitchFamily="34" charset="0"/>
+              <a:cs typeface="Arial" panose="020B0604020202020204" pitchFamily="34" charset="0"/>
             </a:endParaRPr>
           </a:p>
         </p:txBody>
@@ -5045,36 +5061,36 @@
             </a:pPr>
             <a:r>
               <a:rPr lang="en-US" sz="3600" b="1" dirty="0" smtClean="0">
-                <a:latin typeface="Times New Roman" pitchFamily="18" charset="0"/>
-                <a:cs typeface="Times New Roman" pitchFamily="18" charset="0"/>
+                <a:latin typeface="Arial" panose="020B0604020202020204" pitchFamily="34" charset="0"/>
+                <a:cs typeface="Arial" panose="020B0604020202020204" pitchFamily="34" charset="0"/>
               </a:rPr>
               <a:t>Wei Wang, </a:t>
             </a:r>
             <a:r>
               <a:rPr lang="en-US" sz="3600" b="1" dirty="0" err="1" smtClean="0">
-                <a:latin typeface="Times New Roman" pitchFamily="18" charset="0"/>
-                <a:cs typeface="Times New Roman" pitchFamily="18" charset="0"/>
+                <a:latin typeface="Arial" panose="020B0604020202020204" pitchFamily="34" charset="0"/>
+                <a:cs typeface="Arial" panose="020B0604020202020204" pitchFamily="34" charset="0"/>
               </a:rPr>
               <a:t>Parang</a:t>
             </a:r>
             <a:r>
               <a:rPr lang="en-US" sz="3600" b="1" dirty="0" smtClean="0">
-                <a:latin typeface="Times New Roman" pitchFamily="18" charset="0"/>
-                <a:cs typeface="Times New Roman" pitchFamily="18" charset="0"/>
+                <a:latin typeface="Arial" panose="020B0604020202020204" pitchFamily="34" charset="0"/>
+                <a:cs typeface="Arial" panose="020B0604020202020204" pitchFamily="34" charset="0"/>
               </a:rPr>
               <a:t> </a:t>
             </a:r>
             <a:r>
               <a:rPr lang="en-US" sz="3600" b="1" dirty="0" err="1" smtClean="0">
-                <a:latin typeface="Times New Roman" pitchFamily="18" charset="0"/>
-                <a:cs typeface="Times New Roman" pitchFamily="18" charset="0"/>
+                <a:latin typeface="Arial" panose="020B0604020202020204" pitchFamily="34" charset="0"/>
+                <a:cs typeface="Arial" panose="020B0604020202020204" pitchFamily="34" charset="0"/>
               </a:rPr>
               <a:t>Saraf</a:t>
             </a:r>
             <a:r>
               <a:rPr lang="en-US" sz="3600" b="1" dirty="0" smtClean="0">
-                <a:latin typeface="Times New Roman" pitchFamily="18" charset="0"/>
-                <a:cs typeface="Times New Roman" pitchFamily="18" charset="0"/>
+                <a:latin typeface="Arial" panose="020B0604020202020204" pitchFamily="34" charset="0"/>
+                <a:cs typeface="Arial" panose="020B0604020202020204" pitchFamily="34" charset="0"/>
               </a:rPr>
               <a:t>, Kyle Schutt</a:t>
             </a:r>
@@ -5087,14 +5103,14 @@
             </a:pPr>
             <a:r>
               <a:rPr lang="en-US" sz="3600" b="1" dirty="0" smtClean="0">
-                <a:latin typeface="Times New Roman" pitchFamily="18" charset="0"/>
-                <a:cs typeface="Times New Roman" pitchFamily="18" charset="0"/>
+                <a:latin typeface="Arial" panose="020B0604020202020204" pitchFamily="34" charset="0"/>
+                <a:cs typeface="Arial" panose="020B0604020202020204" pitchFamily="34" charset="0"/>
               </a:rPr>
               <a:t>CS6604: Spatial Databases</a:t>
             </a:r>
             <a:endParaRPr lang="en-US" sz="3400" b="1" dirty="0">
-              <a:latin typeface="Times New Roman" pitchFamily="18" charset="0"/>
-              <a:cs typeface="Times New Roman" pitchFamily="18" charset="0"/>
+              <a:latin typeface="Arial" panose="020B0604020202020204" pitchFamily="34" charset="0"/>
+              <a:cs typeface="Arial" panose="020B0604020202020204" pitchFamily="34" charset="0"/>
             </a:endParaRPr>
           </a:p>
         </p:txBody>
@@ -5245,12 +5261,14 @@
                 <a:solidFill>
                   <a:srgbClr val="800000"/>
                 </a:solidFill>
-                <a:latin typeface="Times New Roman" pitchFamily="18" charset="0"/>
+                <a:latin typeface="Arial" panose="020B0604020202020204" pitchFamily="34" charset="0"/>
+                <a:cs typeface="Arial" panose="020B0604020202020204" pitchFamily="34" charset="0"/>
               </a:rPr>
               <a:t>Algorithm Overview</a:t>
             </a:r>
             <a:endParaRPr lang="en-US" altLang="zh-CN" sz="7500" dirty="0">
-              <a:latin typeface="Calibri" pitchFamily="34" charset="0"/>
+              <a:latin typeface="Arial" panose="020B0604020202020204" pitchFamily="34" charset="0"/>
+              <a:cs typeface="Arial" panose="020B0604020202020204" pitchFamily="34" charset="0"/>
             </a:endParaRPr>
           </a:p>
         </p:txBody>
@@ -5453,7 +5471,10 @@
             <a:lstStyle/>
             <a:p>
               <a:pPr algn="ctr"/>
-              <a:endParaRPr lang="en-US"/>
+              <a:endParaRPr lang="en-US">
+                <a:latin typeface="Arial" panose="020B0604020202020204" pitchFamily="34" charset="0"/>
+                <a:cs typeface="Arial" panose="020B0604020202020204" pitchFamily="34" charset="0"/>
+              </a:endParaRPr>
             </a:p>
           </p:txBody>
         </p:sp>
@@ -5491,7 +5512,10 @@
             <a:lstStyle/>
             <a:p>
               <a:pPr algn="ctr"/>
-              <a:endParaRPr lang="en-US"/>
+              <a:endParaRPr lang="en-US">
+                <a:latin typeface="Arial" panose="020B0604020202020204" pitchFamily="34" charset="0"/>
+                <a:cs typeface="Arial" panose="020B0604020202020204" pitchFamily="34" charset="0"/>
+              </a:endParaRPr>
             </a:p>
           </p:txBody>
         </p:sp>
@@ -5529,7 +5553,10 @@
             <a:lstStyle/>
             <a:p>
               <a:pPr algn="ctr"/>
-              <a:endParaRPr lang="en-US"/>
+              <a:endParaRPr lang="en-US">
+                <a:latin typeface="Arial" panose="020B0604020202020204" pitchFamily="34" charset="0"/>
+                <a:cs typeface="Arial" panose="020B0604020202020204" pitchFamily="34" charset="0"/>
+              </a:endParaRPr>
             </a:p>
           </p:txBody>
         </p:sp>
@@ -5567,7 +5594,10 @@
             <a:lstStyle/>
             <a:p>
               <a:pPr algn="ctr"/>
-              <a:endParaRPr lang="en-US"/>
+              <a:endParaRPr lang="en-US">
+                <a:latin typeface="Arial" panose="020B0604020202020204" pitchFamily="34" charset="0"/>
+                <a:cs typeface="Arial" panose="020B0604020202020204" pitchFamily="34" charset="0"/>
+              </a:endParaRPr>
             </a:p>
           </p:txBody>
         </p:sp>
@@ -5605,7 +5635,10 @@
             <a:lstStyle/>
             <a:p>
               <a:pPr algn="ctr"/>
-              <a:endParaRPr lang="en-US"/>
+              <a:endParaRPr lang="en-US">
+                <a:latin typeface="Arial" panose="020B0604020202020204" pitchFamily="34" charset="0"/>
+                <a:cs typeface="Arial" panose="020B0604020202020204" pitchFamily="34" charset="0"/>
+              </a:endParaRPr>
             </a:p>
           </p:txBody>
         </p:sp>
@@ -5643,7 +5676,10 @@
             <a:lstStyle/>
             <a:p>
               <a:pPr algn="ctr"/>
-              <a:endParaRPr lang="en-US"/>
+              <a:endParaRPr lang="en-US">
+                <a:latin typeface="Arial" panose="020B0604020202020204" pitchFamily="34" charset="0"/>
+                <a:cs typeface="Arial" panose="020B0604020202020204" pitchFamily="34" charset="0"/>
+              </a:endParaRPr>
             </a:p>
           </p:txBody>
         </p:sp>
@@ -5681,7 +5717,10 @@
             <a:lstStyle/>
             <a:p>
               <a:pPr algn="ctr"/>
-              <a:endParaRPr lang="en-US"/>
+              <a:endParaRPr lang="en-US">
+                <a:latin typeface="Arial" panose="020B0604020202020204" pitchFamily="34" charset="0"/>
+                <a:cs typeface="Arial" panose="020B0604020202020204" pitchFamily="34" charset="0"/>
+              </a:endParaRPr>
             </a:p>
           </p:txBody>
         </p:sp>
@@ -5723,6 +5762,8 @@
               <a:pPr algn="ctr"/>
               <a:endParaRPr lang="en-US">
                 <a:noFill/>
+                <a:latin typeface="Arial" panose="020B0604020202020204" pitchFamily="34" charset="0"/>
+                <a:cs typeface="Arial" panose="020B0604020202020204" pitchFamily="34" charset="0"/>
               </a:endParaRPr>
             </a:p>
           </p:txBody>
@@ -5765,6 +5806,8 @@
               <a:pPr algn="ctr"/>
               <a:endParaRPr lang="en-US">
                 <a:noFill/>
+                <a:latin typeface="Arial" panose="020B0604020202020204" pitchFamily="34" charset="0"/>
+                <a:cs typeface="Arial" panose="020B0604020202020204" pitchFamily="34" charset="0"/>
               </a:endParaRPr>
             </a:p>
           </p:txBody>
@@ -5807,6 +5850,8 @@
               <a:pPr algn="ctr"/>
               <a:endParaRPr lang="en-US">
                 <a:noFill/>
+                <a:latin typeface="Arial" panose="020B0604020202020204" pitchFamily="34" charset="0"/>
+                <a:cs typeface="Arial" panose="020B0604020202020204" pitchFamily="34" charset="0"/>
               </a:endParaRPr>
             </a:p>
           </p:txBody>
@@ -5849,6 +5894,8 @@
               <a:pPr algn="ctr"/>
               <a:endParaRPr lang="en-US">
                 <a:noFill/>
+                <a:latin typeface="Arial" panose="020B0604020202020204" pitchFamily="34" charset="0"/>
+                <a:cs typeface="Arial" panose="020B0604020202020204" pitchFamily="34" charset="0"/>
               </a:endParaRPr>
             </a:p>
           </p:txBody>
@@ -5891,6 +5938,8 @@
               <a:pPr algn="ctr"/>
               <a:endParaRPr lang="en-US">
                 <a:noFill/>
+                <a:latin typeface="Arial" panose="020B0604020202020204" pitchFamily="34" charset="0"/>
+                <a:cs typeface="Arial" panose="020B0604020202020204" pitchFamily="34" charset="0"/>
               </a:endParaRPr>
             </a:p>
           </p:txBody>
@@ -5933,6 +5982,8 @@
               <a:pPr algn="ctr"/>
               <a:endParaRPr lang="en-US">
                 <a:noFill/>
+                <a:latin typeface="Arial" panose="020B0604020202020204" pitchFamily="34" charset="0"/>
+                <a:cs typeface="Arial" panose="020B0604020202020204" pitchFamily="34" charset="0"/>
               </a:endParaRPr>
             </a:p>
           </p:txBody>
@@ -5975,6 +6026,8 @@
               <a:pPr algn="ctr"/>
               <a:endParaRPr lang="en-US">
                 <a:noFill/>
+                <a:latin typeface="Arial" panose="020B0604020202020204" pitchFamily="34" charset="0"/>
+                <a:cs typeface="Arial" panose="020B0604020202020204" pitchFamily="34" charset="0"/>
               </a:endParaRPr>
             </a:p>
           </p:txBody>
@@ -6120,6 +6173,178 @@
           </p:spPr>
         </p:pic>
       </p:grpSp>
+      <p:sp>
+        <p:nvSpPr>
+          <p:cNvPr id="3" name="TextBox 2"/>
+          <p:cNvSpPr txBox="1"/>
+          <p:nvPr/>
+        </p:nvSpPr>
+        <p:spPr>
+          <a:xfrm>
+            <a:off x="20955001" y="17449800"/>
+            <a:ext cx="11658600" cy="25576232"/>
+          </a:xfrm>
+          <a:prstGeom prst="rect">
+            <a:avLst/>
+          </a:prstGeom>
+          <a:noFill/>
+        </p:spPr>
+        <p:txBody>
+          <a:bodyPr wrap="square" rtlCol="0">
+            <a:spAutoFit/>
+          </a:bodyPr>
+          <a:lstStyle/>
+          <a:p>
+            <a:r>
+              <a:rPr lang="en-US" sz="3600" dirty="0">
+                <a:latin typeface="Arial" panose="020B0604020202020204" pitchFamily="34" charset="0"/>
+                <a:cs typeface="Arial" panose="020B0604020202020204" pitchFamily="34" charset="0"/>
+              </a:rPr>
+              <a:t>The routing mechanism starts with identifying the most time efficient route using public transit between the given source and destination. Figure 5 explains the potential POI identification step. Once the initial route has been identified, all the transit stops are identified next. These stops can be identified based on the stored routes and bus stops from WMATA API. For each of these stops we have associated geo-coordinates. We use these geo-coordinates to query Google Places API to identify the potential POIs for each of the generic waypoints that has been entered by the user. An important point to notice here is that each of the generic waypoints will result in several potential POIs. For example, a user’s search for Starbucks will result in several Starbucks location that can be </a:t>
+            </a:r>
+            <a:r>
+              <a:rPr lang="en-US" sz="3600" dirty="0" err="1">
+                <a:latin typeface="Arial" panose="020B0604020202020204" pitchFamily="34" charset="0"/>
+                <a:cs typeface="Arial" panose="020B0604020202020204" pitchFamily="34" charset="0"/>
+              </a:rPr>
+              <a:t>enroute</a:t>
+            </a:r>
+            <a:r>
+              <a:rPr lang="en-US" sz="3600" dirty="0">
+                <a:latin typeface="Arial" panose="020B0604020202020204" pitchFamily="34" charset="0"/>
+                <a:cs typeface="Arial" panose="020B0604020202020204" pitchFamily="34" charset="0"/>
+              </a:rPr>
+              <a:t>. For each of these potential POIs there will be associated Google Places information like User ratings, visiting timings, cost ratings etc. </a:t>
+            </a:r>
+          </a:p>
+          <a:p>
+            <a:r>
+              <a:rPr lang="en-US" sz="3600" dirty="0">
+                <a:latin typeface="Arial" panose="020B0604020202020204" pitchFamily="34" charset="0"/>
+                <a:cs typeface="Arial" panose="020B0604020202020204" pitchFamily="34" charset="0"/>
+              </a:rPr>
+              <a:t> </a:t>
+            </a:r>
+          </a:p>
+          <a:p>
+            <a:r>
+              <a:rPr lang="en-US" sz="3600" dirty="0">
+                <a:latin typeface="Arial" panose="020B0604020202020204" pitchFamily="34" charset="0"/>
+                <a:cs typeface="Arial" panose="020B0604020202020204" pitchFamily="34" charset="0"/>
+              </a:rPr>
+              <a:t>    Once each of the transit stops is identified, the system queries the Google Places API to identify potential POIs for both waypoint types in a 1-mile radius. Please note that we have taken the 1-mile as the maximum one way walking distance that a user might be willing to walk. For this radius-based search we get potential POIs that are then filtered based on cost and user ratings. As can be seen in the diagram there can be some transit stops that don’t have one qualifying waypoint type. For example, TS1 has only waypoint type of A present. Also there can be transit stops with none qualifying waypoint type. Once all the potential POIs have been identified, waypoint clustering mechanism is invoked which identifies the most suitable POIs to act as waypoints. </a:t>
+            </a:r>
+          </a:p>
+          <a:p>
+            <a:r>
+              <a:rPr lang="en-US" sz="3600" dirty="0">
+                <a:latin typeface="Arial" panose="020B0604020202020204" pitchFamily="34" charset="0"/>
+                <a:cs typeface="Arial" panose="020B0604020202020204" pitchFamily="34" charset="0"/>
+              </a:rPr>
+              <a:t> </a:t>
+            </a:r>
+          </a:p>
+          <a:p>
+            <a:r>
+              <a:rPr lang="en-US" sz="3600" dirty="0">
+                <a:latin typeface="Arial" panose="020B0604020202020204" pitchFamily="34" charset="0"/>
+                <a:cs typeface="Arial" panose="020B0604020202020204" pitchFamily="34" charset="0"/>
+              </a:rPr>
+              <a:t>    In order to understand the waypoint clustering mechanism, it is helpful to visualize the potential POIs in a different way as shown in Figure 6. Here the nodes highlighted in gray correspond to the source, destination and the </a:t>
+            </a:r>
+            <a:r>
+              <a:rPr lang="en-US" sz="3600" dirty="0" err="1">
+                <a:latin typeface="Arial" panose="020B0604020202020204" pitchFamily="34" charset="0"/>
+                <a:cs typeface="Arial" panose="020B0604020202020204" pitchFamily="34" charset="0"/>
+              </a:rPr>
+              <a:t>enroute</a:t>
+            </a:r>
+            <a:r>
+              <a:rPr lang="en-US" sz="3600" dirty="0">
+                <a:latin typeface="Arial" panose="020B0604020202020204" pitchFamily="34" charset="0"/>
+                <a:cs typeface="Arial" panose="020B0604020202020204" pitchFamily="34" charset="0"/>
+              </a:rPr>
+              <a:t> transit stops. For each of these nodes, the potential POIs that can act as waypoints are shown in blue and red. The POIs to type A waypoint are shown in blue and the POIs of type B waypoints are shown in red. The goal is to identify a combination of Ai and </a:t>
+            </a:r>
+            <a:r>
+              <a:rPr lang="en-US" sz="3600" dirty="0" err="1">
+                <a:latin typeface="Arial" panose="020B0604020202020204" pitchFamily="34" charset="0"/>
+                <a:cs typeface="Arial" panose="020B0604020202020204" pitchFamily="34" charset="0"/>
+              </a:rPr>
+              <a:t>Bj</a:t>
+            </a:r>
+            <a:r>
+              <a:rPr lang="en-US" sz="3600" dirty="0">
+                <a:latin typeface="Arial" panose="020B0604020202020204" pitchFamily="34" charset="0"/>
+                <a:cs typeface="Arial" panose="020B0604020202020204" pitchFamily="34" charset="0"/>
+              </a:rPr>
+              <a:t> (where </a:t>
+            </a:r>
+            <a:r>
+              <a:rPr lang="en-US" sz="3600" dirty="0" err="1">
+                <a:latin typeface="Arial" panose="020B0604020202020204" pitchFamily="34" charset="0"/>
+                <a:cs typeface="Arial" panose="020B0604020202020204" pitchFamily="34" charset="0"/>
+              </a:rPr>
+              <a:t>i</a:t>
+            </a:r>
+            <a:r>
+              <a:rPr lang="en-US" sz="3600" dirty="0">
+                <a:latin typeface="Arial" panose="020B0604020202020204" pitchFamily="34" charset="0"/>
+                <a:cs typeface="Arial" panose="020B0604020202020204" pitchFamily="34" charset="0"/>
+              </a:rPr>
+              <a:t>&lt;j) such that the route S – Ai – </a:t>
+            </a:r>
+            <a:r>
+              <a:rPr lang="en-US" sz="3600" dirty="0" err="1">
+                <a:latin typeface="Arial" panose="020B0604020202020204" pitchFamily="34" charset="0"/>
+                <a:cs typeface="Arial" panose="020B0604020202020204" pitchFamily="34" charset="0"/>
+              </a:rPr>
+              <a:t>Bj</a:t>
+            </a:r>
+            <a:r>
+              <a:rPr lang="en-US" sz="3600" dirty="0">
+                <a:latin typeface="Arial" panose="020B0604020202020204" pitchFamily="34" charset="0"/>
+                <a:cs typeface="Arial" panose="020B0604020202020204" pitchFamily="34" charset="0"/>
+              </a:rPr>
+              <a:t> – D leads to the most time efficient route. For cases where </a:t>
+            </a:r>
+            <a:r>
+              <a:rPr lang="en-US" sz="3600" dirty="0" err="1">
+                <a:latin typeface="Arial" panose="020B0604020202020204" pitchFamily="34" charset="0"/>
+                <a:cs typeface="Arial" panose="020B0604020202020204" pitchFamily="34" charset="0"/>
+              </a:rPr>
+              <a:t>i</a:t>
+            </a:r>
+            <a:r>
+              <a:rPr lang="en-US" sz="3600" dirty="0">
+                <a:latin typeface="Arial" panose="020B0604020202020204" pitchFamily="34" charset="0"/>
+                <a:cs typeface="Arial" panose="020B0604020202020204" pitchFamily="34" charset="0"/>
+              </a:rPr>
+              <a:t>&gt;j, the route will become S – </a:t>
+            </a:r>
+            <a:r>
+              <a:rPr lang="en-US" sz="3600" dirty="0" err="1">
+                <a:latin typeface="Arial" panose="020B0604020202020204" pitchFamily="34" charset="0"/>
+                <a:cs typeface="Arial" panose="020B0604020202020204" pitchFamily="34" charset="0"/>
+              </a:rPr>
+              <a:t>Bj</a:t>
+            </a:r>
+            <a:r>
+              <a:rPr lang="en-US" sz="3600" dirty="0">
+                <a:latin typeface="Arial" panose="020B0604020202020204" pitchFamily="34" charset="0"/>
+                <a:cs typeface="Arial" panose="020B0604020202020204" pitchFamily="34" charset="0"/>
+              </a:rPr>
+              <a:t> – Ai – D.</a:t>
+            </a:r>
+          </a:p>
+          <a:p>
+            <a:endParaRPr lang="en-US" sz="3600" dirty="0">
+              <a:latin typeface="Arial" panose="020B0604020202020204" pitchFamily="34" charset="0"/>
+              <a:cs typeface="Arial" panose="020B0604020202020204" pitchFamily="34" charset="0"/>
+            </a:endParaRPr>
+          </a:p>
+        </p:txBody>
+      </p:sp>
     </p:spTree>
   </p:cSld>
   <p:clrMapOvr>
